--- a/프레젠테이션1.pptx
+++ b/프레젠테이션1.pptx
@@ -4607,8 +4607,8 @@
         </p:nvSpPr>
         <p:spPr>
           <a:xfrm>
-            <a:off x="6498771" y="859082"/>
-            <a:ext cx="5343129" cy="1015663"/>
+            <a:off x="5470071" y="859082"/>
+            <a:ext cx="6383479" cy="1015663"/>
           </a:xfrm>
           <a:prstGeom prst="rect">
             <a:avLst/>
@@ -4622,12 +4622,12 @@
           <a:lstStyle/>
           <a:p>
             <a:r>
-              <a:rPr lang="ko-KR" altLang="en-US" sz="6000" smtClean="0">
+              <a:rPr lang="ko-KR" altLang="en-US" sz="6000" dirty="0" smtClean="0">
                 <a:solidFill>
                   <a:schemeClr val="bg1"/>
                 </a:solidFill>
               </a:rPr>
-              <a:t>발전 개선 방향</a:t>
+              <a:t>발전 및 개선 방향</a:t>
             </a:r>
             <a:endParaRPr lang="ko-KR" altLang="en-US" sz="6000" dirty="0">
               <a:solidFill>
